--- a/Publication/ShoeStore.pptx
+++ b/Publication/ShoeStore.pptx
@@ -115,7 +115,7 @@
   </p:defaultTextStyle>
   <p:extLst>
     <p:ext uri="{EFAFB233-063F-42B5-8137-9DF3F51BA10A}">
-      <p15:sldGuideLst xmlns:p15="http://schemas.microsoft.com/office/powerpoint/2012/main" xmlns="">
+      <p15:sldGuideLst xmlns="" xmlns:p15="http://schemas.microsoft.com/office/powerpoint/2012/main">
         <p15:guide id="1" orient="horz" pos="2160" userDrawn="1">
           <p15:clr>
             <a:srgbClr val="A4A3A4"/>
@@ -262,7 +262,7 @@
             <a:fld id="{1160EA64-D806-43AC-9DF2-F8C432F32B4C}" type="datetimeFigureOut">
               <a:rPr lang="en-US" smtClean="0"/>
               <a:pPr/>
-              <a:t>12/19/2025</a:t>
+              <a:t>12/20/2025</a:t>
             </a:fld>
             <a:endParaRPr lang="en-US" dirty="0"/>
           </a:p>
@@ -314,7 +314,7 @@
     </p:spTree>
     <p:extLst>
       <p:ext uri="{BB962C8B-B14F-4D97-AF65-F5344CB8AC3E}">
-        <p14:creationId xmlns:p14="http://schemas.microsoft.com/office/powerpoint/2010/main" xmlns="" val="2509752347"/>
+        <p14:creationId xmlns="" xmlns:p14="http://schemas.microsoft.com/office/powerpoint/2010/main" val="2509752347"/>
       </p:ext>
     </p:extLst>
   </p:cSld>
@@ -432,7 +432,7 @@
             <a:fld id="{E9F9C37B-1D36-470B-8223-D6C91242EC14}" type="datetimeFigureOut">
               <a:rPr lang="en-US" smtClean="0"/>
               <a:pPr/>
-              <a:t>12/19/2025</a:t>
+              <a:t>12/20/2025</a:t>
             </a:fld>
             <a:endParaRPr lang="en-US" dirty="0"/>
           </a:p>
@@ -484,7 +484,7 @@
     </p:spTree>
     <p:extLst>
       <p:ext uri="{BB962C8B-B14F-4D97-AF65-F5344CB8AC3E}">
-        <p14:creationId xmlns:p14="http://schemas.microsoft.com/office/powerpoint/2010/main" xmlns="" val="1387977912"/>
+        <p14:creationId xmlns="" xmlns:p14="http://schemas.microsoft.com/office/powerpoint/2010/main" val="1387977912"/>
       </p:ext>
     </p:extLst>
   </p:cSld>
@@ -612,7 +612,7 @@
             <a:fld id="{67C6F52A-A82B-47A2-A83A-8C4C91F2D59F}" type="datetimeFigureOut">
               <a:rPr lang="en-US" smtClean="0"/>
               <a:pPr/>
-              <a:t>12/19/2025</a:t>
+              <a:t>12/20/2025</a:t>
             </a:fld>
             <a:endParaRPr lang="en-US" dirty="0"/>
           </a:p>
@@ -664,7 +664,7 @@
     </p:spTree>
     <p:extLst>
       <p:ext uri="{BB962C8B-B14F-4D97-AF65-F5344CB8AC3E}">
-        <p14:creationId xmlns:p14="http://schemas.microsoft.com/office/powerpoint/2010/main" xmlns="" val="570333275"/>
+        <p14:creationId xmlns="" xmlns:p14="http://schemas.microsoft.com/office/powerpoint/2010/main" val="570333275"/>
       </p:ext>
     </p:extLst>
   </p:cSld>
@@ -782,7 +782,7 @@
             <a:fld id="{F070A7B3-6521-4DCA-87E5-044747A908C1}" type="datetimeFigureOut">
               <a:rPr lang="en-US" smtClean="0"/>
               <a:pPr/>
-              <a:t>12/19/2025</a:t>
+              <a:t>12/20/2025</a:t>
             </a:fld>
             <a:endParaRPr lang="en-US" dirty="0"/>
           </a:p>
@@ -834,7 +834,7 @@
     </p:spTree>
     <p:extLst>
       <p:ext uri="{BB962C8B-B14F-4D97-AF65-F5344CB8AC3E}">
-        <p14:creationId xmlns:p14="http://schemas.microsoft.com/office/powerpoint/2010/main" xmlns="" val="4186622974"/>
+        <p14:creationId xmlns="" xmlns:p14="http://schemas.microsoft.com/office/powerpoint/2010/main" val="4186622974"/>
       </p:ext>
     </p:extLst>
   </p:cSld>
@@ -1029,7 +1029,7 @@
             <a:fld id="{1160EA64-D806-43AC-9DF2-F8C432F32B4C}" type="datetimeFigureOut">
               <a:rPr lang="en-US" smtClean="0"/>
               <a:pPr/>
-              <a:t>12/19/2025</a:t>
+              <a:t>12/20/2025</a:t>
             </a:fld>
             <a:endParaRPr lang="en-US" dirty="0"/>
           </a:p>
@@ -1081,7 +1081,7 @@
     </p:spTree>
     <p:extLst>
       <p:ext uri="{BB962C8B-B14F-4D97-AF65-F5344CB8AC3E}">
-        <p14:creationId xmlns:p14="http://schemas.microsoft.com/office/powerpoint/2010/main" xmlns="" val="2255896077"/>
+        <p14:creationId xmlns="" xmlns:p14="http://schemas.microsoft.com/office/powerpoint/2010/main" val="2255896077"/>
       </p:ext>
     </p:extLst>
   </p:cSld>
@@ -1260,7 +1260,7 @@
             <a:fld id="{AB134690-1557-4C89-A502-4959FE7FAD70}" type="datetimeFigureOut">
               <a:rPr lang="en-US" smtClean="0"/>
               <a:pPr/>
-              <a:t>12/19/2025</a:t>
+              <a:t>12/20/2025</a:t>
             </a:fld>
             <a:endParaRPr lang="en-US" dirty="0"/>
           </a:p>
@@ -1312,7 +1312,7 @@
     </p:spTree>
     <p:extLst>
       <p:ext uri="{BB962C8B-B14F-4D97-AF65-F5344CB8AC3E}">
-        <p14:creationId xmlns:p14="http://schemas.microsoft.com/office/powerpoint/2010/main" xmlns="" val="399975098"/>
+        <p14:creationId xmlns="" xmlns:p14="http://schemas.microsoft.com/office/powerpoint/2010/main" val="399975098"/>
       </p:ext>
     </p:extLst>
   </p:cSld>
@@ -1321,7 +1321,7 @@
   </p:clrMapOvr>
   <p:extLst>
     <p:ext uri="{DCECCB84-F9BA-43D5-87BE-67443E8EF086}">
-      <p15:sldGuideLst xmlns:p15="http://schemas.microsoft.com/office/powerpoint/2012/main" xmlns=""/>
+      <p15:sldGuideLst xmlns="" xmlns:p15="http://schemas.microsoft.com/office/powerpoint/2012/main"/>
     </p:ext>
   </p:extLst>
 </p:sldLayout>
@@ -1631,7 +1631,7 @@
             <a:fld id="{4F7D4976-E339-4826-83B7-FBD03F55ECF8}" type="datetimeFigureOut">
               <a:rPr lang="en-US" smtClean="0"/>
               <a:pPr/>
-              <a:t>12/19/2025</a:t>
+              <a:t>12/20/2025</a:t>
             </a:fld>
             <a:endParaRPr lang="en-US" dirty="0"/>
           </a:p>
@@ -1683,7 +1683,7 @@
     </p:spTree>
     <p:extLst>
       <p:ext uri="{BB962C8B-B14F-4D97-AF65-F5344CB8AC3E}">
-        <p14:creationId xmlns:p14="http://schemas.microsoft.com/office/powerpoint/2010/main" xmlns="" val="3691994714"/>
+        <p14:creationId xmlns="" xmlns:p14="http://schemas.microsoft.com/office/powerpoint/2010/main" val="3691994714"/>
       </p:ext>
     </p:extLst>
   </p:cSld>
@@ -1692,7 +1692,7 @@
   </p:clrMapOvr>
   <p:extLst>
     <p:ext uri="{DCECCB84-F9BA-43D5-87BE-67443E8EF086}">
-      <p15:sldGuideLst xmlns:p15="http://schemas.microsoft.com/office/powerpoint/2012/main" xmlns=""/>
+      <p15:sldGuideLst xmlns="" xmlns:p15="http://schemas.microsoft.com/office/powerpoint/2012/main"/>
     </p:ext>
   </p:extLst>
 </p:sldLayout>
@@ -1755,7 +1755,7 @@
             <a:fld id="{E1037C31-9E7A-4F99-8774-A0E530DE1A42}" type="datetimeFigureOut">
               <a:rPr lang="en-US" smtClean="0"/>
               <a:pPr/>
-              <a:t>12/19/2025</a:t>
+              <a:t>12/20/2025</a:t>
             </a:fld>
             <a:endParaRPr lang="en-US" dirty="0"/>
           </a:p>
@@ -1807,7 +1807,7 @@
     </p:spTree>
     <p:extLst>
       <p:ext uri="{BB962C8B-B14F-4D97-AF65-F5344CB8AC3E}">
-        <p14:creationId xmlns:p14="http://schemas.microsoft.com/office/powerpoint/2010/main" xmlns="" val="409742779"/>
+        <p14:creationId xmlns="" xmlns:p14="http://schemas.microsoft.com/office/powerpoint/2010/main" val="409742779"/>
       </p:ext>
     </p:extLst>
   </p:cSld>
@@ -1852,7 +1852,7 @@
             <a:fld id="{C278504F-A551-4DE0-9316-4DCD1D8CC752}" type="datetimeFigureOut">
               <a:rPr lang="en-US" smtClean="0"/>
               <a:pPr/>
-              <a:t>12/19/2025</a:t>
+              <a:t>12/20/2025</a:t>
             </a:fld>
             <a:endParaRPr lang="en-US" dirty="0"/>
           </a:p>
@@ -1904,7 +1904,7 @@
     </p:spTree>
     <p:extLst>
       <p:ext uri="{BB962C8B-B14F-4D97-AF65-F5344CB8AC3E}">
-        <p14:creationId xmlns:p14="http://schemas.microsoft.com/office/powerpoint/2010/main" xmlns="" val="540944781"/>
+        <p14:creationId xmlns="" xmlns:p14="http://schemas.microsoft.com/office/powerpoint/2010/main" val="540944781"/>
       </p:ext>
     </p:extLst>
   </p:cSld>
@@ -2129,7 +2129,7 @@
             <a:fld id="{1160EA64-D806-43AC-9DF2-F8C432F32B4C}" type="datetimeFigureOut">
               <a:rPr lang="en-US" smtClean="0"/>
               <a:pPr/>
-              <a:t>12/19/2025</a:t>
+              <a:t>12/20/2025</a:t>
             </a:fld>
             <a:endParaRPr lang="en-US" dirty="0"/>
           </a:p>
@@ -2181,7 +2181,7 @@
     </p:spTree>
     <p:extLst>
       <p:ext uri="{BB962C8B-B14F-4D97-AF65-F5344CB8AC3E}">
-        <p14:creationId xmlns:p14="http://schemas.microsoft.com/office/powerpoint/2010/main" xmlns="" val="1015439884"/>
+        <p14:creationId xmlns="" xmlns:p14="http://schemas.microsoft.com/office/powerpoint/2010/main" val="1015439884"/>
       </p:ext>
     </p:extLst>
   </p:cSld>
@@ -2190,7 +2190,7 @@
   </p:clrMapOvr>
   <p:extLst>
     <p:ext uri="{DCECCB84-F9BA-43D5-87BE-67443E8EF086}">
-      <p15:sldGuideLst xmlns:p15="http://schemas.microsoft.com/office/powerpoint/2012/main" xmlns=""/>
+      <p15:sldGuideLst xmlns="" xmlns:p15="http://schemas.microsoft.com/office/powerpoint/2012/main"/>
     </p:ext>
   </p:extLst>
 </p:sldLayout>
@@ -2388,7 +2388,7 @@
             <a:fld id="{1160EA64-D806-43AC-9DF2-F8C432F32B4C}" type="datetimeFigureOut">
               <a:rPr lang="en-US" smtClean="0"/>
               <a:pPr/>
-              <a:t>12/19/2025</a:t>
+              <a:t>12/20/2025</a:t>
             </a:fld>
             <a:endParaRPr lang="en-US" dirty="0"/>
           </a:p>
@@ -2440,7 +2440,7 @@
     </p:spTree>
     <p:extLst>
       <p:ext uri="{BB962C8B-B14F-4D97-AF65-F5344CB8AC3E}">
-        <p14:creationId xmlns:p14="http://schemas.microsoft.com/office/powerpoint/2010/main" xmlns="" val="1349152458"/>
+        <p14:creationId xmlns="" xmlns:p14="http://schemas.microsoft.com/office/powerpoint/2010/main" val="1349152458"/>
       </p:ext>
     </p:extLst>
   </p:cSld>
@@ -2601,7 +2601,7 @@
             <a:fld id="{1160EA64-D806-43AC-9DF2-F8C432F32B4C}" type="datetimeFigureOut">
               <a:rPr lang="en-US" smtClean="0"/>
               <a:pPr/>
-              <a:t>12/19/2025</a:t>
+              <a:t>12/20/2025</a:t>
             </a:fld>
             <a:endParaRPr lang="en-US" dirty="0"/>
           </a:p>
@@ -2689,7 +2689,7 @@
     </p:spTree>
     <p:extLst>
       <p:ext uri="{BB962C8B-B14F-4D97-AF65-F5344CB8AC3E}">
-        <p14:creationId xmlns:p14="http://schemas.microsoft.com/office/powerpoint/2010/main" xmlns="" val="1105851826"/>
+        <p14:creationId xmlns="" xmlns:p14="http://schemas.microsoft.com/office/powerpoint/2010/main" val="1105851826"/>
       </p:ext>
     </p:extLst>
   </p:cSld>
@@ -2990,7 +2990,7 @@
   </p:txStyles>
   <p:extLst>
     <p:ext uri="{27BBF7A9-308A-43DC-89C8-2F10F3537804}">
-      <p15:sldGuideLst xmlns:p15="http://schemas.microsoft.com/office/powerpoint/2012/main" xmlns=""/>
+      <p15:sldGuideLst xmlns="" xmlns:p15="http://schemas.microsoft.com/office/powerpoint/2012/main"/>
     </p:ext>
   </p:extLst>
 </p:sldMaster>
@@ -3044,7 +3044,15 @@
                   <a:schemeClr val="bg1"/>
                 </a:solidFill>
               </a:rPr>
-              <a:t>УП. 02</a:t>
+              <a:t>УП. </a:t>
+            </a:r>
+            <a:r>
+              <a:rPr lang="ru-RU" b="1" dirty="0" smtClean="0">
+                <a:solidFill>
+                  <a:schemeClr val="bg1"/>
+                </a:solidFill>
+              </a:rPr>
+              <a:t>01</a:t>
             </a:r>
             <a:endParaRPr lang="ru-RU" b="1" dirty="0">
               <a:solidFill>
@@ -3244,7 +3252,7 @@
           <p:nvPr>
             <p:extLst>
               <p:ext uri="{D42A27DB-BD31-4B8C-83A1-F6EECF244321}">
-                <p14:modId xmlns:p14="http://schemas.microsoft.com/office/powerpoint/2010/main" xmlns="" val="1566425014"/>
+                <p14:modId xmlns="" xmlns:p14="http://schemas.microsoft.com/office/powerpoint/2010/main" val="1566425014"/>
               </p:ext>
             </p:extLst>
           </p:nvPr>
@@ -3263,14 +3271,14 @@
                 <a:gridCol w="4760517">
                   <a:extLst>
                     <a:ext uri="{9D8B030D-6E8A-4147-A177-3AD203B41FA5}">
-                      <a16:colId xmlns:a16="http://schemas.microsoft.com/office/drawing/2014/main" xmlns="" val="856406293"/>
+                      <a16:colId xmlns="" xmlns:a16="http://schemas.microsoft.com/office/drawing/2014/main" val="856406293"/>
                     </a:ext>
                   </a:extLst>
                 </a:gridCol>
                 <a:gridCol w="4391717">
                   <a:extLst>
                     <a:ext uri="{9D8B030D-6E8A-4147-A177-3AD203B41FA5}">
-                      <a16:colId xmlns:a16="http://schemas.microsoft.com/office/drawing/2014/main" xmlns="" val="3577592057"/>
+                      <a16:colId xmlns="" xmlns:a16="http://schemas.microsoft.com/office/drawing/2014/main" val="3577592057"/>
                     </a:ext>
                   </a:extLst>
                 </a:gridCol>
@@ -3312,15 +3320,7 @@
                       <a:pPr algn="l"/>
                       <a:r>
                         <a:rPr lang="ru-RU" baseline="0" dirty="0" smtClean="0"/>
-                        <a:t>                       </a:t>
-                      </a:r>
-                      <a:r>
-                        <a:rPr lang="ru-RU" baseline="0" dirty="0" smtClean="0"/>
-                        <a:t>Студентка </a:t>
-                      </a:r>
-                      <a:r>
-                        <a:rPr lang="ru-RU" baseline="0" dirty="0" smtClean="0"/>
-                        <a:t>группы ИС-22А</a:t>
+                        <a:t>                       Студентка группы ИС-22А</a:t>
                       </a:r>
                     </a:p>
                   </a:txBody>
@@ -3401,7 +3401,7 @@
                 </a:tc>
                 <a:extLst>
                   <a:ext uri="{0D108BD9-81ED-4DB2-BD59-A6C34878D82A}">
-                    <a16:rowId xmlns:a16="http://schemas.microsoft.com/office/drawing/2014/main" xmlns="" val="3476427313"/>
+                    <a16:rowId xmlns="" xmlns:a16="http://schemas.microsoft.com/office/drawing/2014/main" val="3476427313"/>
                   </a:ext>
                 </a:extLst>
               </a:tr>
@@ -3468,7 +3468,7 @@
     </p:spTree>
     <p:extLst>
       <p:ext uri="{BB962C8B-B14F-4D97-AF65-F5344CB8AC3E}">
-        <p14:creationId xmlns:p14="http://schemas.microsoft.com/office/powerpoint/2010/main" xmlns="" val="4290534139"/>
+        <p14:creationId xmlns="" xmlns:p14="http://schemas.microsoft.com/office/powerpoint/2010/main" val="4290534139"/>
       </p:ext>
     </p:extLst>
   </p:cSld>
@@ -3733,7 +3733,7 @@
           <p:nvPr>
             <p:extLst>
               <p:ext uri="{D42A27DB-BD31-4B8C-83A1-F6EECF244321}">
-                <p14:modId xmlns:p14="http://schemas.microsoft.com/office/powerpoint/2010/main" xmlns="" val="1566425014"/>
+                <p14:modId xmlns="" xmlns:p14="http://schemas.microsoft.com/office/powerpoint/2010/main" val="1566425014"/>
               </p:ext>
             </p:extLst>
           </p:nvPr>
@@ -3752,14 +3752,14 @@
                 <a:gridCol w="4760517">
                   <a:extLst>
                     <a:ext uri="{9D8B030D-6E8A-4147-A177-3AD203B41FA5}">
-                      <a16:colId xmlns:a16="http://schemas.microsoft.com/office/drawing/2014/main" xmlns="" val="856406293"/>
+                      <a16:colId xmlns="" xmlns:a16="http://schemas.microsoft.com/office/drawing/2014/main" val="856406293"/>
                     </a:ext>
                   </a:extLst>
                 </a:gridCol>
                 <a:gridCol w="4391717">
                   <a:extLst>
                     <a:ext uri="{9D8B030D-6E8A-4147-A177-3AD203B41FA5}">
-                      <a16:colId xmlns:a16="http://schemas.microsoft.com/office/drawing/2014/main" xmlns="" val="3577592057"/>
+                      <a16:colId xmlns="" xmlns:a16="http://schemas.microsoft.com/office/drawing/2014/main" val="3577592057"/>
                     </a:ext>
                   </a:extLst>
                 </a:gridCol>
@@ -3801,15 +3801,7 @@
                       <a:pPr algn="l"/>
                       <a:r>
                         <a:rPr lang="ru-RU" baseline="0" dirty="0" smtClean="0"/>
-                        <a:t>                       </a:t>
-                      </a:r>
-                      <a:r>
-                        <a:rPr lang="ru-RU" baseline="0" dirty="0" smtClean="0"/>
-                        <a:t>Студентка </a:t>
-                      </a:r>
-                      <a:r>
-                        <a:rPr lang="ru-RU" baseline="0" dirty="0" smtClean="0"/>
-                        <a:t>группы ИС-22А</a:t>
+                        <a:t>                       Студентка группы ИС-22А</a:t>
                       </a:r>
                     </a:p>
                   </a:txBody>
@@ -3890,7 +3882,7 @@
                 </a:tc>
                 <a:extLst>
                   <a:ext uri="{0D108BD9-81ED-4DB2-BD59-A6C34878D82A}">
-                    <a16:rowId xmlns:a16="http://schemas.microsoft.com/office/drawing/2014/main" xmlns="" val="3476427313"/>
+                    <a16:rowId xmlns="" xmlns:a16="http://schemas.microsoft.com/office/drawing/2014/main" val="3476427313"/>
                   </a:ext>
                 </a:extLst>
               </a:tr>
@@ -3957,7 +3949,7 @@
     </p:spTree>
     <p:extLst>
       <p:ext uri="{BB962C8B-B14F-4D97-AF65-F5344CB8AC3E}">
-        <p14:creationId xmlns:p14="http://schemas.microsoft.com/office/powerpoint/2010/main" xmlns="" val="4290534139"/>
+        <p14:creationId xmlns="" xmlns:p14="http://schemas.microsoft.com/office/powerpoint/2010/main" val="4290534139"/>
       </p:ext>
     </p:extLst>
   </p:cSld>
@@ -4070,14 +4062,7 @@
                 <a:latin typeface="Times New Roman" pitchFamily="18" charset="0"/>
                 <a:cs typeface="Times New Roman" pitchFamily="18" charset="0"/>
               </a:rPr>
-              <a:t> </a:t>
-            </a:r>
-            <a:r>
-              <a:rPr lang="ru-RU" sz="2400" dirty="0" smtClean="0">
-                <a:latin typeface="Times New Roman" pitchFamily="18" charset="0"/>
-                <a:cs typeface="Times New Roman" pitchFamily="18" charset="0"/>
-              </a:rPr>
-              <a:t>— это мобильное </a:t>
+              <a:t> — это мобильное </a:t>
             </a:r>
             <a:r>
               <a:rPr lang="ru-RU" sz="2400" dirty="0" err="1" smtClean="0">
@@ -4116,19 +4101,8 @@
                 <a:latin typeface="Times New Roman" pitchFamily="18" charset="0"/>
                 <a:cs typeface="Times New Roman" pitchFamily="18" charset="0"/>
               </a:rPr>
-              <a:t>При разработке сделан упор на грамотную организацию кода, надёжное управление состоянием экранов и устойчивое взаимодействие с серверной частью</a:t>
-            </a:r>
-            <a:r>
-              <a:rPr lang="ru-RU" sz="2400" dirty="0" smtClean="0">
-                <a:latin typeface="Times New Roman" pitchFamily="18" charset="0"/>
-                <a:cs typeface="Times New Roman" pitchFamily="18" charset="0"/>
-              </a:rPr>
-              <a:t>.</a:t>
-            </a:r>
-            <a:endParaRPr lang="ru-RU" sz="2400" dirty="0" smtClean="0">
-              <a:latin typeface="Times New Roman" pitchFamily="18" charset="0"/>
-              <a:cs typeface="Times New Roman" pitchFamily="18" charset="0"/>
-            </a:endParaRPr>
+              <a:t>При разработке сделан упор на грамотную организацию кода, надёжное управление состоянием экранов и устойчивое взаимодействие с серверной частью.</a:t>
+            </a:r>
           </a:p>
           <a:p>
             <a:pPr algn="just">
@@ -4192,7 +4166,7 @@
     </p:spTree>
     <p:extLst>
       <p:ext uri="{BB962C8B-B14F-4D97-AF65-F5344CB8AC3E}">
-        <p14:creationId xmlns:p14="http://schemas.microsoft.com/office/powerpoint/2010/main" xmlns="" val="3950111895"/>
+        <p14:creationId xmlns="" xmlns:p14="http://schemas.microsoft.com/office/powerpoint/2010/main" val="3950111895"/>
       </p:ext>
     </p:extLst>
   </p:cSld>
@@ -4258,7 +4232,7 @@
                   <a:schemeClr val="bg1"/>
                 </a:solidFill>
               </a:rPr>
-              <a:t>Функциональная структура приложения</a:t>
+              <a:t>Программные Модули</a:t>
             </a:r>
             <a:endParaRPr lang="ru-RU" sz="4000" b="1" dirty="0">
               <a:solidFill>
@@ -4439,7 +4413,7 @@
     </p:spTree>
     <p:extLst>
       <p:ext uri="{BB962C8B-B14F-4D97-AF65-F5344CB8AC3E}">
-        <p14:creationId xmlns:p14="http://schemas.microsoft.com/office/powerpoint/2010/main" xmlns="" val="1758322433"/>
+        <p14:creationId xmlns="" xmlns:p14="http://schemas.microsoft.com/office/powerpoint/2010/main" val="1758322433"/>
       </p:ext>
     </p:extLst>
   </p:cSld>
@@ -4505,7 +4479,7 @@
                   <a:schemeClr val="bg1"/>
                 </a:solidFill>
               </a:rPr>
-              <a:t>Функциональная структура приложения</a:t>
+              <a:t>Программные модули</a:t>
             </a:r>
             <a:endParaRPr lang="ru-RU" sz="4000" b="1" dirty="0">
               <a:solidFill>
@@ -4653,7 +4627,7 @@
     </p:spTree>
     <p:extLst>
       <p:ext uri="{BB962C8B-B14F-4D97-AF65-F5344CB8AC3E}">
-        <p14:creationId xmlns:p14="http://schemas.microsoft.com/office/powerpoint/2010/main" xmlns="" val="1758322433"/>
+        <p14:creationId xmlns="" xmlns:p14="http://schemas.microsoft.com/office/powerpoint/2010/main" val="1758322433"/>
       </p:ext>
     </p:extLst>
   </p:cSld>
@@ -4759,34 +4733,69 @@
                 <a:latin typeface="Times New Roman" pitchFamily="18" charset="0"/>
                 <a:cs typeface="Times New Roman" pitchFamily="18" charset="0"/>
               </a:rPr>
-              <a:t>В </a:t>
+              <a:t>В приложении реализован паттерн </a:t>
+            </a:r>
+            <a:r>
+              <a:rPr lang="ru-RU" sz="2400" b="1" dirty="0" smtClean="0">
+                <a:latin typeface="Times New Roman" pitchFamily="18" charset="0"/>
+                <a:cs typeface="Times New Roman" pitchFamily="18" charset="0"/>
+              </a:rPr>
+              <a:t>MVVM</a:t>
             </a:r>
             <a:r>
               <a:rPr lang="ru-RU" sz="2400" dirty="0" smtClean="0">
                 <a:latin typeface="Times New Roman" pitchFamily="18" charset="0"/>
                 <a:cs typeface="Times New Roman" pitchFamily="18" charset="0"/>
               </a:rPr>
-              <a:t>приложении реализован паттерн </a:t>
-            </a:r>
-            <a:r>
-              <a:rPr lang="ru-RU" sz="2400" b="1" dirty="0" smtClean="0">
-                <a:latin typeface="Times New Roman" pitchFamily="18" charset="0"/>
-                <a:cs typeface="Times New Roman" pitchFamily="18" charset="0"/>
-              </a:rPr>
-              <a:t>MVVM</a:t>
+              <a:t>, идеально подходящий для </a:t>
+            </a:r>
+            <a:r>
+              <a:rPr lang="ru-RU" sz="2400" b="1" dirty="0" err="1" smtClean="0">
+                <a:latin typeface="Times New Roman" pitchFamily="18" charset="0"/>
+                <a:cs typeface="Times New Roman" pitchFamily="18" charset="0"/>
+              </a:rPr>
+              <a:t>Jetpack</a:t>
             </a:r>
             <a:r>
               <a:rPr lang="ru-RU" sz="2400" dirty="0" smtClean="0">
                 <a:latin typeface="Times New Roman" pitchFamily="18" charset="0"/>
                 <a:cs typeface="Times New Roman" pitchFamily="18" charset="0"/>
               </a:rPr>
-              <a:t>, идеально подходящий для </a:t>
+              <a:t> </a:t>
             </a:r>
             <a:r>
               <a:rPr lang="ru-RU" sz="2400" b="1" dirty="0" err="1" smtClean="0">
                 <a:latin typeface="Times New Roman" pitchFamily="18" charset="0"/>
                 <a:cs typeface="Times New Roman" pitchFamily="18" charset="0"/>
               </a:rPr>
+              <a:t>Compose</a:t>
+            </a:r>
+            <a:r>
+              <a:rPr lang="ru-RU" sz="2400" dirty="0" smtClean="0">
+                <a:latin typeface="Times New Roman" pitchFamily="18" charset="0"/>
+                <a:cs typeface="Times New Roman" pitchFamily="18" charset="0"/>
+              </a:rPr>
+              <a:t> и соответствующий рекомендациям </a:t>
+            </a:r>
+            <a:r>
+              <a:rPr lang="ru-RU" sz="2400" dirty="0" err="1" smtClean="0">
+                <a:latin typeface="Times New Roman" pitchFamily="18" charset="0"/>
+                <a:cs typeface="Times New Roman" pitchFamily="18" charset="0"/>
+              </a:rPr>
+              <a:t>Android</a:t>
+            </a:r>
+            <a:r>
+              <a:rPr lang="ru-RU" sz="2400" dirty="0" smtClean="0">
+                <a:latin typeface="Times New Roman" pitchFamily="18" charset="0"/>
+                <a:cs typeface="Times New Roman" pitchFamily="18" charset="0"/>
+              </a:rPr>
+              <a:t> </a:t>
+            </a:r>
+            <a:r>
+              <a:rPr lang="ru-RU" sz="2400" dirty="0" err="1" smtClean="0">
+                <a:latin typeface="Times New Roman" pitchFamily="18" charset="0"/>
+                <a:cs typeface="Times New Roman" pitchFamily="18" charset="0"/>
+              </a:rPr>
               <a:t>Jetpack</a:t>
             </a:r>
             <a:r>
@@ -4794,56 +4803,7 @@
                 <a:latin typeface="Times New Roman" pitchFamily="18" charset="0"/>
                 <a:cs typeface="Times New Roman" pitchFamily="18" charset="0"/>
               </a:rPr>
-              <a:t> </a:t>
-            </a:r>
-            <a:r>
-              <a:rPr lang="ru-RU" sz="2400" b="1" dirty="0" err="1" smtClean="0">
-                <a:latin typeface="Times New Roman" pitchFamily="18" charset="0"/>
-                <a:cs typeface="Times New Roman" pitchFamily="18" charset="0"/>
-              </a:rPr>
-              <a:t>Compose</a:t>
-            </a:r>
-            <a:r>
-              <a:rPr lang="ru-RU" sz="2400" dirty="0" smtClean="0">
-                <a:latin typeface="Times New Roman" pitchFamily="18" charset="0"/>
-                <a:cs typeface="Times New Roman" pitchFamily="18" charset="0"/>
-              </a:rPr>
-              <a:t> и соответствующий рекомендациям </a:t>
-            </a:r>
-            <a:r>
-              <a:rPr lang="ru-RU" sz="2400" dirty="0" err="1" smtClean="0">
-                <a:latin typeface="Times New Roman" pitchFamily="18" charset="0"/>
-                <a:cs typeface="Times New Roman" pitchFamily="18" charset="0"/>
-              </a:rPr>
-              <a:t>Android</a:t>
-            </a:r>
-            <a:r>
-              <a:rPr lang="ru-RU" sz="2400" dirty="0" smtClean="0">
-                <a:latin typeface="Times New Roman" pitchFamily="18" charset="0"/>
-                <a:cs typeface="Times New Roman" pitchFamily="18" charset="0"/>
-              </a:rPr>
-              <a:t> </a:t>
-            </a:r>
-            <a:r>
-              <a:rPr lang="ru-RU" sz="2400" dirty="0" err="1" smtClean="0">
-                <a:latin typeface="Times New Roman" pitchFamily="18" charset="0"/>
-                <a:cs typeface="Times New Roman" pitchFamily="18" charset="0"/>
-              </a:rPr>
-              <a:t>Jetpack</a:t>
-            </a:r>
-            <a:r>
-              <a:rPr lang="ru-RU" sz="2400" dirty="0" smtClean="0">
-                <a:latin typeface="Times New Roman" pitchFamily="18" charset="0"/>
-                <a:cs typeface="Times New Roman" pitchFamily="18" charset="0"/>
-              </a:rPr>
-              <a:t>.</a:t>
-            </a:r>
-            <a:r>
-              <a:rPr lang="ru-RU" sz="2400" dirty="0" smtClean="0">
-                <a:latin typeface="Times New Roman" pitchFamily="18" charset="0"/>
-                <a:cs typeface="Times New Roman" pitchFamily="18" charset="0"/>
-              </a:rPr>
-              <a:t>​</a:t>
+              <a:t>.​</a:t>
             </a:r>
             <a:endParaRPr lang="en-US" sz="2400" dirty="0" smtClean="0">
               <a:latin typeface="Times New Roman" pitchFamily="18" charset="0"/>
@@ -4983,42 +4943,21 @@
                 <a:latin typeface="Times New Roman" pitchFamily="18" charset="0"/>
                 <a:cs typeface="Times New Roman" pitchFamily="18" charset="0"/>
               </a:rPr>
-              <a:t> зависимости </a:t>
+              <a:t> зависимости между</a:t>
+            </a:r>
+            <a:r>
+              <a:rPr lang="en-US" sz="2400" dirty="0" smtClean="0">
+                <a:latin typeface="Times New Roman" pitchFamily="18" charset="0"/>
+                <a:cs typeface="Times New Roman" pitchFamily="18" charset="0"/>
+              </a:rPr>
+              <a:t> </a:t>
             </a:r>
             <a:r>
               <a:rPr lang="ru-RU" sz="2400" dirty="0" smtClean="0">
                 <a:latin typeface="Times New Roman" pitchFamily="18" charset="0"/>
                 <a:cs typeface="Times New Roman" pitchFamily="18" charset="0"/>
               </a:rPr>
-              <a:t>между</a:t>
-            </a:r>
-            <a:r>
-              <a:rPr lang="en-US" sz="2400" dirty="0" smtClean="0">
-                <a:latin typeface="Times New Roman" pitchFamily="18" charset="0"/>
-                <a:cs typeface="Times New Roman" pitchFamily="18" charset="0"/>
-              </a:rPr>
-              <a:t> </a:t>
-            </a:r>
-            <a:r>
-              <a:rPr lang="ru-RU" sz="2400" dirty="0" smtClean="0">
-                <a:latin typeface="Times New Roman" pitchFamily="18" charset="0"/>
-                <a:cs typeface="Times New Roman" pitchFamily="18" charset="0"/>
-              </a:rPr>
-              <a:t>компонентами</a:t>
-            </a:r>
-            <a:r>
-              <a:rPr lang="ru-RU" sz="2400" dirty="0" smtClean="0">
-                <a:latin typeface="Times New Roman" pitchFamily="18" charset="0"/>
-                <a:cs typeface="Times New Roman" pitchFamily="18" charset="0"/>
-              </a:rPr>
-              <a:t>.</a:t>
-            </a:r>
-            <a:r>
-              <a:rPr lang="ru-RU" sz="2400" dirty="0" smtClean="0">
-                <a:latin typeface="Times New Roman" pitchFamily="18" charset="0"/>
-                <a:cs typeface="Times New Roman" pitchFamily="18" charset="0"/>
-              </a:rPr>
-              <a:t>​</a:t>
+              <a:t>компонентами.​</a:t>
             </a:r>
             <a:endParaRPr lang="en-US" sz="2400" dirty="0" smtClean="0">
               <a:latin typeface="Times New Roman" pitchFamily="18" charset="0"/>
@@ -5034,14 +4973,7 @@
                 <a:latin typeface="Times New Roman" pitchFamily="18" charset="0"/>
                 <a:cs typeface="Times New Roman" pitchFamily="18" charset="0"/>
               </a:rPr>
-              <a:t>Такая </a:t>
-            </a:r>
-            <a:r>
-              <a:rPr lang="ru-RU" sz="2400" dirty="0" smtClean="0">
-                <a:latin typeface="Times New Roman" pitchFamily="18" charset="0"/>
-                <a:cs typeface="Times New Roman" pitchFamily="18" charset="0"/>
-              </a:rPr>
-              <a:t>изоляция повышает </a:t>
+              <a:t>Такая изоляция повышает </a:t>
             </a:r>
             <a:r>
               <a:rPr lang="ru-RU" sz="2400" dirty="0" err="1" smtClean="0">
@@ -5067,7 +4999,7 @@
     </p:spTree>
     <p:extLst>
       <p:ext uri="{BB962C8B-B14F-4D97-AF65-F5344CB8AC3E}">
-        <p14:creationId xmlns:p14="http://schemas.microsoft.com/office/powerpoint/2010/main" xmlns="" val="4060368873"/>
+        <p14:creationId xmlns="" xmlns:p14="http://schemas.microsoft.com/office/powerpoint/2010/main" val="4060368873"/>
       </p:ext>
     </p:extLst>
   </p:cSld>
@@ -5223,14 +5155,26 @@
                 <a:latin typeface="Times New Roman" pitchFamily="18" charset="0"/>
                 <a:cs typeface="Times New Roman" pitchFamily="18" charset="0"/>
               </a:rPr>
-              <a:t>, автоматически обновляясь при их </a:t>
+              <a:t>, автоматически обновляясь при их изменении.</a:t>
+            </a:r>
+          </a:p>
+          <a:p>
+            <a:pPr marL="0" indent="540000">
+              <a:buNone/>
+            </a:pPr>
+            <a:r>
+              <a:rPr lang="ru-RU" b="1" dirty="0" err="1" smtClean="0">
+                <a:latin typeface="Times New Roman" pitchFamily="18" charset="0"/>
+                <a:cs typeface="Times New Roman" pitchFamily="18" charset="0"/>
+              </a:rPr>
+              <a:t>ViewModel</a:t>
             </a:r>
             <a:r>
               <a:rPr lang="ru-RU" dirty="0" smtClean="0">
                 <a:latin typeface="Times New Roman" pitchFamily="18" charset="0"/>
                 <a:cs typeface="Times New Roman" pitchFamily="18" charset="0"/>
               </a:rPr>
-              <a:t>изменении.</a:t>
+              <a:t> реагирует на действия пользователя, формирует состояние интерфейса и взаимодействует с сетевым слоем.</a:t>
             </a:r>
           </a:p>
           <a:p>
@@ -5238,58 +5182,18 @@
               <a:buNone/>
             </a:pPr>
             <a:r>
-              <a:rPr lang="ru-RU" b="1" dirty="0" err="1" smtClean="0">
-                <a:latin typeface="Times New Roman" pitchFamily="18" charset="0"/>
-                <a:cs typeface="Times New Roman" pitchFamily="18" charset="0"/>
-              </a:rPr>
-              <a:t>ViewModel</a:t>
-            </a:r>
-            <a:r>
               <a:rPr lang="ru-RU" dirty="0" smtClean="0">
                 <a:latin typeface="Times New Roman" pitchFamily="18" charset="0"/>
                 <a:cs typeface="Times New Roman" pitchFamily="18" charset="0"/>
               </a:rPr>
-              <a:t> реагирует на действия пользователя, формирует состояние интерфейса и взаимодействует с сетевым </a:t>
-            </a:r>
-            <a:r>
-              <a:rPr lang="ru-RU" dirty="0" smtClean="0">
-                <a:latin typeface="Times New Roman" pitchFamily="18" charset="0"/>
-                <a:cs typeface="Times New Roman" pitchFamily="18" charset="0"/>
-              </a:rPr>
-              <a:t>слоем.</a:t>
-            </a:r>
-          </a:p>
-          <a:p>
-            <a:pPr marL="0" indent="540000">
-              <a:buNone/>
-            </a:pPr>
-            <a:r>
-              <a:rPr lang="ru-RU" dirty="0" smtClean="0">
-                <a:latin typeface="Times New Roman" pitchFamily="18" charset="0"/>
-                <a:cs typeface="Times New Roman" pitchFamily="18" charset="0"/>
-              </a:rPr>
-              <a:t>А</a:t>
-            </a:r>
-            <a:r>
-              <a:rPr lang="ru-RU" dirty="0" smtClean="0">
-                <a:latin typeface="Times New Roman" pitchFamily="18" charset="0"/>
-                <a:cs typeface="Times New Roman" pitchFamily="18" charset="0"/>
-              </a:rPr>
-              <a:t> </a:t>
+              <a:t>А </a:t>
             </a:r>
             <a:r>
               <a:rPr lang="ru-RU" b="1" dirty="0" smtClean="0">
                 <a:latin typeface="Times New Roman" pitchFamily="18" charset="0"/>
                 <a:cs typeface="Times New Roman" pitchFamily="18" charset="0"/>
               </a:rPr>
-              <a:t>сетевой </a:t>
-            </a:r>
-            <a:r>
-              <a:rPr lang="ru-RU" b="1" dirty="0" smtClean="0">
-                <a:latin typeface="Times New Roman" pitchFamily="18" charset="0"/>
-                <a:cs typeface="Times New Roman" pitchFamily="18" charset="0"/>
-              </a:rPr>
-              <a:t>слой</a:t>
+              <a:t>сетевой слой</a:t>
             </a:r>
             <a:r>
               <a:rPr lang="ru-RU" dirty="0" smtClean="0">
@@ -5336,7 +5240,7 @@
     </p:spTree>
     <p:extLst>
       <p:ext uri="{BB962C8B-B14F-4D97-AF65-F5344CB8AC3E}">
-        <p14:creationId xmlns:p14="http://schemas.microsoft.com/office/powerpoint/2010/main" xmlns="" val="1443492538"/>
+        <p14:creationId xmlns="" xmlns:p14="http://schemas.microsoft.com/office/powerpoint/2010/main" val="1443492538"/>
       </p:ext>
     </p:extLst>
   </p:cSld>
@@ -5438,7 +5342,7 @@
     </p:spTree>
     <p:extLst>
       <p:ext uri="{BB962C8B-B14F-4D97-AF65-F5344CB8AC3E}">
-        <p14:creationId xmlns:p14="http://schemas.microsoft.com/office/powerpoint/2010/main" xmlns="" val="2105756539"/>
+        <p14:creationId xmlns="" xmlns:p14="http://schemas.microsoft.com/office/powerpoint/2010/main" val="2105756539"/>
       </p:ext>
     </p:extLst>
   </p:cSld>
@@ -5664,21 +5568,28 @@
                 <a:latin typeface="Times New Roman" pitchFamily="18" charset="0"/>
                 <a:cs typeface="Times New Roman" pitchFamily="18" charset="0"/>
               </a:rPr>
-              <a:t> </a:t>
+              <a:t> (например, </a:t>
+            </a:r>
+            <a:r>
+              <a:rPr lang="ru-RU" sz="2400" dirty="0" err="1" smtClean="0">
+                <a:latin typeface="Times New Roman" pitchFamily="18" charset="0"/>
+                <a:cs typeface="Times New Roman" pitchFamily="18" charset="0"/>
+              </a:rPr>
+              <a:t>loading</a:t>
             </a:r>
             <a:r>
               <a:rPr lang="ru-RU" sz="2400" dirty="0" smtClean="0">
                 <a:latin typeface="Times New Roman" pitchFamily="18" charset="0"/>
                 <a:cs typeface="Times New Roman" pitchFamily="18" charset="0"/>
               </a:rPr>
-              <a:t>(например, </a:t>
+              <a:t>, </a:t>
             </a:r>
             <a:r>
               <a:rPr lang="ru-RU" sz="2400" dirty="0" err="1" smtClean="0">
                 <a:latin typeface="Times New Roman" pitchFamily="18" charset="0"/>
                 <a:cs typeface="Times New Roman" pitchFamily="18" charset="0"/>
               </a:rPr>
-              <a:t>loading</a:t>
+              <a:t>error</a:t>
             </a:r>
             <a:r>
               <a:rPr lang="ru-RU" sz="2400" dirty="0" smtClean="0">
@@ -5692,35 +5603,14 @@
                 <a:latin typeface="Times New Roman" pitchFamily="18" charset="0"/>
                 <a:cs typeface="Times New Roman" pitchFamily="18" charset="0"/>
               </a:rPr>
-              <a:t>error</a:t>
+              <a:t>data</a:t>
             </a:r>
             <a:r>
               <a:rPr lang="ru-RU" sz="2400" dirty="0" smtClean="0">
                 <a:latin typeface="Times New Roman" pitchFamily="18" charset="0"/>
                 <a:cs typeface="Times New Roman" pitchFamily="18" charset="0"/>
               </a:rPr>
-              <a:t>, </a:t>
-            </a:r>
-            <a:r>
-              <a:rPr lang="ru-RU" sz="2400" dirty="0" err="1" smtClean="0">
-                <a:latin typeface="Times New Roman" pitchFamily="18" charset="0"/>
-                <a:cs typeface="Times New Roman" pitchFamily="18" charset="0"/>
-              </a:rPr>
-              <a:t>data</a:t>
-            </a:r>
-            <a:r>
-              <a:rPr lang="ru-RU" sz="2400" dirty="0" smtClean="0">
-                <a:latin typeface="Times New Roman" pitchFamily="18" charset="0"/>
-                <a:cs typeface="Times New Roman" pitchFamily="18" charset="0"/>
-              </a:rPr>
-              <a:t>) и </a:t>
-            </a:r>
-            <a:r>
-              <a:rPr lang="ru-RU" sz="2400" dirty="0" smtClean="0">
-                <a:latin typeface="Times New Roman" pitchFamily="18" charset="0"/>
-                <a:cs typeface="Times New Roman" pitchFamily="18" charset="0"/>
-              </a:rPr>
-              <a:t>обращается к </a:t>
+              <a:t>) и обращается к </a:t>
             </a:r>
             <a:r>
               <a:rPr lang="ru-RU" sz="2400" dirty="0" err="1" smtClean="0">
@@ -6080,7 +5970,7 @@
     </p:spTree>
     <p:extLst>
       <p:ext uri="{BB962C8B-B14F-4D97-AF65-F5344CB8AC3E}">
-        <p14:creationId xmlns:p14="http://schemas.microsoft.com/office/powerpoint/2010/main" xmlns="" val="2652899273"/>
+        <p14:creationId xmlns="" xmlns:p14="http://schemas.microsoft.com/office/powerpoint/2010/main" val="2652899273"/>
       </p:ext>
     </p:extLst>
   </p:cSld>
@@ -6210,14 +6100,7 @@
                 <a:latin typeface="Times New Roman" pitchFamily="18" charset="0"/>
                 <a:cs typeface="Times New Roman" pitchFamily="18" charset="0"/>
               </a:rPr>
-              <a:t>Приложение </a:t>
-            </a:r>
-            <a:r>
-              <a:rPr lang="ru-RU" sz="2600" dirty="0" smtClean="0">
-                <a:latin typeface="Times New Roman" pitchFamily="18" charset="0"/>
-                <a:cs typeface="Times New Roman" pitchFamily="18" charset="0"/>
-              </a:rPr>
-              <a:t>использует сетевой стек </a:t>
+              <a:t>Приложение использует сетевой стек </a:t>
             </a:r>
             <a:r>
               <a:rPr lang="ru-RU" sz="2600" b="1" dirty="0" err="1" smtClean="0">
@@ -6446,7 +6329,7 @@
     </p:spTree>
     <p:extLst>
       <p:ext uri="{BB962C8B-B14F-4D97-AF65-F5344CB8AC3E}">
-        <p14:creationId xmlns:p14="http://schemas.microsoft.com/office/powerpoint/2010/main" xmlns="" val="3166350368"/>
+        <p14:creationId xmlns="" xmlns:p14="http://schemas.microsoft.com/office/powerpoint/2010/main" val="3166350368"/>
       </p:ext>
     </p:extLst>
   </p:cSld>
@@ -6718,7 +6601,7 @@
   <a:extraClrSchemeLst/>
   <a:extLst>
     <a:ext uri="{05A4C25C-085E-4340-85A3-A5531E510DB2}">
-      <thm15:themeFamily xmlns:thm15="http://schemas.microsoft.com/office/thememl/2012/main" xmlns="" name="Office Theme" id="{62F939B6-93AF-4DB8-9C6B-D6C7DFDC589F}" vid="{4A3C46E8-61CC-4603-A589-7422A47A8E4A}"/>
+      <thm15:themeFamily xmlns="" xmlns:thm15="http://schemas.microsoft.com/office/thememl/2012/main" name="Office Theme" id="{62F939B6-93AF-4DB8-9C6B-D6C7DFDC589F}" vid="{4A3C46E8-61CC-4603-A589-7422A47A8E4A}"/>
     </a:ext>
   </a:extLst>
 </a:theme>
